--- a/SAPHana-1.pptx
+++ b/SAPHana-1.pptx
@@ -193,6 +193,38 @@
 <file path=ppt/changesInfos/changesInfo1.xml><?xml version="1.0" encoding="utf-8"?>
 <pc:chgInfo xmlns:a="http://schemas.openxmlformats.org/drawingml/2006/main" xmlns:r="http://schemas.openxmlformats.org/officeDocument/2006/relationships" xmlns:ac="http://schemas.microsoft.com/office/drawing/2013/main/command" xmlns:pc="http://schemas.microsoft.com/office/powerpoint/2013/main/command">
   <pc:docChgLst>
+    <pc:chgData name="Robert Pietzschmann" userId="c7f59647ab801a01" providerId="LiveId" clId="{F2748B10-2D07-4F72-99D3-060683268240}"/>
+    <pc:docChg chg="custSel modSld">
+      <pc:chgData name="Robert Pietzschmann" userId="c7f59647ab801a01" providerId="LiveId" clId="{F2748B10-2D07-4F72-99D3-060683268240}" dt="2018-01-15T15:56:35.121" v="263" actId="20577"/>
+      <pc:docMkLst>
+        <pc:docMk/>
+      </pc:docMkLst>
+      <pc:sldChg chg="addSp delSp modSp">
+        <pc:chgData name="Robert Pietzschmann" userId="c7f59647ab801a01" providerId="LiveId" clId="{F2748B10-2D07-4F72-99D3-060683268240}" dt="2018-01-15T15:56:35.121" v="263" actId="20577"/>
+        <pc:sldMkLst>
+          <pc:docMk/>
+          <pc:sldMk cId="2885947562" sldId="291"/>
+        </pc:sldMkLst>
+        <pc:spChg chg="del">
+          <ac:chgData name="Robert Pietzschmann" userId="c7f59647ab801a01" providerId="LiveId" clId="{F2748B10-2D07-4F72-99D3-060683268240}" dt="2018-01-15T15:48:08.348" v="0" actId="478"/>
+          <ac:spMkLst>
+            <pc:docMk/>
+            <pc:sldMk cId="2885947562" sldId="291"/>
+            <ac:spMk id="2" creationId="{00000000-0000-0000-0000-000000000000}"/>
+          </ac:spMkLst>
+        </pc:spChg>
+        <pc:spChg chg="add mod">
+          <ac:chgData name="Robert Pietzschmann" userId="c7f59647ab801a01" providerId="LiveId" clId="{F2748B10-2D07-4F72-99D3-060683268240}" dt="2018-01-15T15:56:35.121" v="263" actId="20577"/>
+          <ac:spMkLst>
+            <pc:docMk/>
+            <pc:sldMk cId="2885947562" sldId="291"/>
+            <ac:spMk id="4" creationId="{55A35DED-7D1A-4C8F-934D-D5CD3FC3279C}"/>
+          </ac:spMkLst>
+        </pc:spChg>
+      </pc:sldChg>
+    </pc:docChg>
+  </pc:docChgLst>
+  <pc:docChgLst>
     <pc:chgData name="Robert Pietzschmann" userId="c7f59647ab801a01" providerId="LiveId" clId="{943B4E65-9082-4CC9-8A88-14CECA6BA227}"/>
     <pc:docChg chg="undo custSel addSld modSld sldOrd">
       <pc:chgData name="Robert Pietzschmann" userId="c7f59647ab801a01" providerId="LiveId" clId="{943B4E65-9082-4CC9-8A88-14CECA6BA227}" dt="2018-01-14T12:38:50.797" v="3649" actId="20577"/>
@@ -207,7 +239,7 @@
         </pc:sldMkLst>
       </pc:sldChg>
       <pc:sldChg chg="ord">
-        <pc:chgData name="Robert Pietzschmann" userId="c7f59647ab801a01" providerId="LiveId" clId="{943B4E65-9082-4CC9-8A88-14CECA6BA227}" dt="2018-01-14T12:38:35.099" v="3637"/>
+        <pc:chgData name="Robert Pietzschmann" userId="c7f59647ab801a01" providerId="LiveId" clId="{943B4E65-9082-4CC9-8A88-14CECA6BA227}" dt="2018-01-14T12:38:35.099" v="3637" actId="20577"/>
         <pc:sldMkLst>
           <pc:docMk/>
           <pc:sldMk cId="1389049837" sldId="276"/>
@@ -2554,7 +2586,7 @@
             <a:pPr marL="0" indent="0" algn="ctr">
               <a:buNone/>
             </a:pPr>
-            <a:endParaRPr lang="de-DE" dirty="0" smtClean="0"/>
+            <a:endParaRPr lang="de-DE" dirty="0"/>
           </a:p>
           <a:p>
             <a:pPr marL="0" indent="0" algn="ctr">
@@ -2566,7 +2598,7 @@
             <a:pPr marL="0" indent="0" algn="ctr">
               <a:buNone/>
             </a:pPr>
-            <a:endParaRPr lang="de-DE" dirty="0" smtClean="0"/>
+            <a:endParaRPr lang="de-DE" dirty="0"/>
           </a:p>
           <a:p>
             <a:pPr marL="0" indent="0" algn="ctr">
@@ -2579,16 +2611,8 @@
               <a:buNone/>
             </a:pPr>
             <a:r>
-              <a:rPr lang="de-DE" dirty="0" smtClean="0"/>
-              <a:t>Vergleichende </a:t>
-            </a:r>
-            <a:r>
               <a:rPr lang="de-DE" dirty="0"/>
-              <a:t>Untersuchungen von </a:t>
-            </a:r>
-            <a:r>
-              <a:rPr lang="de-DE" dirty="0" smtClean="0"/>
-              <a:t>Datenbanksystemen mit </a:t>
+              <a:t>Vergleichende Untersuchungen von Datenbanksystemen mit </a:t>
             </a:r>
           </a:p>
           <a:p>
@@ -2596,10 +2620,9 @@
               <a:buNone/>
             </a:pPr>
             <a:r>
-              <a:rPr lang="de-DE" sz="2800" b="1" dirty="0" smtClean="0"/>
+              <a:rPr lang="de-DE" sz="2800" b="1" dirty="0"/>
               <a:t>In-Memory-Technologien</a:t>
             </a:r>
-            <a:endParaRPr lang="de-DE" sz="2800" b="1" dirty="0"/>
           </a:p>
           <a:p>
             <a:pPr marL="0" indent="0">
@@ -2619,13 +2642,6 @@
   <p:clrMapOvr>
     <a:masterClrMapping/>
   </p:clrMapOvr>
-  <p:timing>
-    <p:tnLst>
-      <p:par>
-        <p:cTn id="1" dur="indefinite" restart="never" nodeType="tmRoot"/>
-      </p:par>
-    </p:tnLst>
-  </p:timing>
 </p:sld>
 </file>
 
@@ -3369,27 +3385,8 @@
                   </a:schemeClr>
                 </a:solidFill>
               </a:rPr>
-              <a:t>Quellen: </a:t>
-            </a:r>
-            <a:r>
-              <a:rPr lang="de-DE" sz="800" dirty="0" smtClean="0">
-                <a:solidFill>
-                  <a:schemeClr val="tx1">
-                    <a:lumMod val="50000"/>
-                    <a:lumOff val="50000"/>
-                  </a:schemeClr>
-                </a:solidFill>
-              </a:rPr>
-              <a:t>5 </a:t>
-            </a:r>
-            <a:endParaRPr lang="de-DE" sz="800" dirty="0">
-              <a:solidFill>
-                <a:schemeClr val="tx1">
-                  <a:lumMod val="50000"/>
-                  <a:lumOff val="50000"/>
-                </a:schemeClr>
-              </a:solidFill>
-            </a:endParaRPr>
+              <a:t>Quellen: 5 </a:t>
+            </a:r>
           </a:p>
         </p:txBody>
       </p:sp>
@@ -3805,10 +3802,9 @@
           <a:lstStyle/>
           <a:p>
             <a:r>
-              <a:rPr lang="de-DE" dirty="0" smtClean="0"/>
+              <a:rPr lang="de-DE" dirty="0"/>
               <a:t>SAP HANA</a:t>
             </a:r>
-            <a:endParaRPr lang="de-DE" dirty="0"/>
           </a:p>
         </p:txBody>
       </p:sp>
@@ -3908,10 +3904,9 @@
           <a:lstStyle/>
           <a:p>
             <a:r>
-              <a:rPr lang="de-DE" dirty="0" smtClean="0"/>
+              <a:rPr lang="de-DE" dirty="0"/>
               <a:t>SAP HANA - Komprimierung</a:t>
             </a:r>
-            <a:endParaRPr lang="de-DE" dirty="0"/>
           </a:p>
         </p:txBody>
       </p:sp>
@@ -4002,13 +3997,6 @@
   <p:clrMapOvr>
     <a:masterClrMapping/>
   </p:clrMapOvr>
-  <p:timing>
-    <p:tnLst>
-      <p:par>
-        <p:cTn id="1" dur="indefinite" restart="never" nodeType="tmRoot"/>
-      </p:par>
-    </p:tnLst>
-  </p:timing>
 </p:sld>
 </file>
 
@@ -4152,7 +4140,6 @@
               <a:rPr lang="de-DE" dirty="0"/>
               <a:t>SAP HANA - Komprimierung</a:t>
             </a:r>
-            <a:endParaRPr lang="de-DE" dirty="0"/>
           </a:p>
         </p:txBody>
       </p:sp>
@@ -4187,38 +4174,8 @@
                   </a:schemeClr>
                 </a:solidFill>
               </a:rPr>
-              <a:t>Quellen: </a:t>
-            </a:r>
-            <a:r>
-              <a:rPr lang="de-DE" sz="800" dirty="0">
-                <a:solidFill>
-                  <a:schemeClr val="tx1">
-                    <a:lumMod val="50000"/>
-                    <a:lumOff val="50000"/>
-                  </a:schemeClr>
-                </a:solidFill>
-              </a:rPr>
-              <a:t>6</a:t>
-            </a:r>
-            <a:r>
-              <a:rPr lang="de-DE" sz="800" dirty="0" smtClean="0">
-                <a:solidFill>
-                  <a:schemeClr val="tx1">
-                    <a:lumMod val="50000"/>
-                    <a:lumOff val="50000"/>
-                  </a:schemeClr>
-                </a:solidFill>
-              </a:rPr>
-              <a:t>  </a:t>
-            </a:r>
-            <a:endParaRPr lang="de-DE" sz="800" dirty="0">
-              <a:solidFill>
-                <a:schemeClr val="tx1">
-                  <a:lumMod val="50000"/>
-                  <a:lumOff val="50000"/>
-                </a:schemeClr>
-              </a:solidFill>
-            </a:endParaRPr>
+              <a:t>Quellen: 6  </a:t>
+            </a:r>
           </a:p>
         </p:txBody>
       </p:sp>
@@ -4232,13 +4189,6 @@
   <p:clrMapOvr>
     <a:masterClrMapping/>
   </p:clrMapOvr>
-  <p:timing>
-    <p:tnLst>
-      <p:par>
-        <p:cTn id="1" dur="indefinite" restart="never" nodeType="tmRoot"/>
-      </p:par>
-    </p:tnLst>
-  </p:timing>
 </p:sld>
 </file>
 
@@ -4310,11 +4260,7 @@
           <a:p>
             <a:r>
               <a:rPr lang="de-DE" dirty="0"/>
-              <a:t>SAP HANA - Parallele </a:t>
-            </a:r>
-            <a:r>
-              <a:rPr lang="de-DE" dirty="0"/>
-              <a:t>Verarbeitung</a:t>
+              <a:t>SAP HANA - Parallele Verarbeitung</a:t>
             </a:r>
           </a:p>
         </p:txBody>
@@ -4395,13 +4341,6 @@
   <p:clrMapOvr>
     <a:masterClrMapping/>
   </p:clrMapOvr>
-  <p:timing>
-    <p:tnLst>
-      <p:par>
-        <p:cTn id="1" dur="indefinite" restart="never" nodeType="tmRoot"/>
-      </p:par>
-    </p:tnLst>
-  </p:timing>
 </p:sld>
 </file>
 
@@ -4438,10 +4377,9 @@
           <a:lstStyle/>
           <a:p>
             <a:r>
-              <a:rPr lang="de-DE" dirty="0" smtClean="0"/>
+              <a:rPr lang="de-DE" dirty="0"/>
               <a:t>Gliederung</a:t>
             </a:r>
-            <a:endParaRPr lang="de-DE" dirty="0"/>
           </a:p>
         </p:txBody>
       </p:sp>
@@ -4655,23 +4593,19 @@
               <a:buAutoNum type="arabicPeriod"/>
             </a:pPr>
             <a:r>
-              <a:rPr lang="de-DE" sz="3200" dirty="0" smtClean="0">
+              <a:rPr lang="de-DE" sz="3200" dirty="0">
                 <a:latin typeface="+mj-lt"/>
                 <a:cs typeface="Consolas" panose="020B0609020204030204" pitchFamily="49" charset="0"/>
               </a:rPr>
               <a:t>Allgemein</a:t>
             </a:r>
-            <a:endParaRPr lang="de-DE" sz="3200" dirty="0">
-              <a:latin typeface="+mj-lt"/>
-              <a:cs typeface="Consolas" panose="020B0609020204030204" pitchFamily="49" charset="0"/>
-            </a:endParaRPr>
           </a:p>
           <a:p>
             <a:pPr>
               <a:buAutoNum type="arabicPeriod"/>
             </a:pPr>
             <a:r>
-              <a:rPr lang="de-DE" sz="3200" dirty="0" smtClean="0">
+              <a:rPr lang="de-DE" sz="3200" dirty="0">
                 <a:highlight>
                   <a:srgbClr val="FFFFFF"/>
                 </a:highlight>
@@ -4685,7 +4619,7 @@
               <a:buAutoNum type="arabicPeriod"/>
             </a:pPr>
             <a:r>
-              <a:rPr lang="de-DE" sz="3200" dirty="0" smtClean="0">
+              <a:rPr lang="de-DE" sz="3200" dirty="0">
                 <a:highlight>
                   <a:srgbClr val="FFFFFF"/>
                 </a:highlight>
@@ -4699,7 +4633,7 @@
               <a:buAutoNum type="arabicPeriod"/>
             </a:pPr>
             <a:r>
-              <a:rPr lang="de-DE" sz="3200" dirty="0" smtClean="0">
+              <a:rPr lang="de-DE" sz="3200" dirty="0">
                 <a:highlight>
                   <a:srgbClr val="FFFFFF"/>
                 </a:highlight>
@@ -4713,7 +4647,7 @@
               <a:buAutoNum type="arabicPeriod"/>
             </a:pPr>
             <a:r>
-              <a:rPr lang="de-DE" sz="3200" dirty="0" smtClean="0">
+              <a:rPr lang="de-DE" sz="3200" dirty="0">
                 <a:highlight>
                   <a:srgbClr val="FFFFFF"/>
                 </a:highlight>
@@ -4721,12 +4655,6 @@
               </a:rPr>
               <a:t>Vergleich</a:t>
             </a:r>
-            <a:endParaRPr lang="de-DE" sz="3200" dirty="0" smtClean="0">
-              <a:highlight>
-                <a:srgbClr val="FFFFFF"/>
-              </a:highlight>
-              <a:latin typeface="+mj-lt"/>
-            </a:endParaRPr>
           </a:p>
           <a:p>
             <a:pPr>
@@ -4751,13 +4679,6 @@
   <p:clrMapOvr>
     <a:masterClrMapping/>
   </p:clrMapOvr>
-  <p:timing>
-    <p:tnLst>
-      <p:par>
-        <p:cTn id="1" dur="indefinite" restart="never" nodeType="tmRoot"/>
-      </p:par>
-    </p:tnLst>
-  </p:timing>
 </p:sld>
 </file>
 
@@ -4887,7 +4808,6 @@
               <a:rPr lang="de-DE" dirty="0"/>
               <a:t>SAP HANA - Hochverfügbarkeit</a:t>
             </a:r>
-            <a:endParaRPr lang="de-DE" dirty="0"/>
           </a:p>
         </p:txBody>
       </p:sp>
@@ -4937,13 +4857,6 @@
   <p:clrMapOvr>
     <a:masterClrMapping/>
   </p:clrMapOvr>
-  <p:timing>
-    <p:tnLst>
-      <p:par>
-        <p:cTn id="1" dur="indefinite" restart="never" nodeType="tmRoot"/>
-      </p:par>
-    </p:tnLst>
-  </p:timing>
 </p:sld>
 </file>
 
@@ -5010,13 +4923,8 @@
           <a:p>
             <a:r>
               <a:rPr lang="de-DE" dirty="0"/>
-              <a:t>SAP HANA - Arbeitsspeicher </a:t>
-            </a:r>
-            <a:r>
-              <a:rPr lang="de-DE" dirty="0" smtClean="0"/>
-              <a:t>zuweisen 1</a:t>
-            </a:r>
-            <a:endParaRPr lang="de-DE" dirty="0"/>
+              <a:t>SAP HANA - Arbeitsspeicher zuweisen 1</a:t>
+            </a:r>
           </a:p>
         </p:txBody>
       </p:sp>
@@ -5066,13 +4974,6 @@
   <p:clrMapOvr>
     <a:masterClrMapping/>
   </p:clrMapOvr>
-  <p:timing>
-    <p:tnLst>
-      <p:par>
-        <p:cTn id="1" dur="indefinite" restart="never" nodeType="tmRoot"/>
-      </p:par>
-    </p:tnLst>
-  </p:timing>
 </p:sld>
 </file>
 
@@ -5291,12 +5192,8 @@
           <a:lstStyle/>
           <a:p>
             <a:r>
-              <a:rPr lang="de-DE" dirty="0" smtClean="0"/>
-              <a:t>SAP HANA - Create </a:t>
-            </a:r>
-            <a:r>
               <a:rPr lang="de-DE" dirty="0"/>
-              <a:t>Table Beispiel</a:t>
+              <a:t>SAP HANA - Create Table Beispiel</a:t>
             </a:r>
           </a:p>
         </p:txBody>
@@ -6096,7 +5993,6 @@
               <a:rPr lang="de-DE" dirty="0"/>
               <a:t>SAP HANA - Import</a:t>
             </a:r>
-            <a:endParaRPr lang="de-DE" dirty="0"/>
           </a:p>
         </p:txBody>
       </p:sp>
@@ -6214,7 +6110,6 @@
               <a:rPr lang="de-DE" dirty="0"/>
               <a:t>SAP HANA - Import</a:t>
             </a:r>
-            <a:endParaRPr lang="de-DE" dirty="0"/>
           </a:p>
         </p:txBody>
       </p:sp>
@@ -6465,10 +6360,9 @@
           <a:lstStyle/>
           <a:p>
             <a:r>
-              <a:rPr lang="de-DE" dirty="0" smtClean="0"/>
+              <a:rPr lang="de-DE" dirty="0"/>
               <a:t>Vergleich</a:t>
             </a:r>
-            <a:endParaRPr lang="de-DE" dirty="0"/>
           </a:p>
         </p:txBody>
       </p:sp>
@@ -6497,9 +6391,27 @@
                 <a:tableStyleId>{5C22544A-7EE6-4342-B048-85BDC9FD1C3A}</a:tableStyleId>
               </a:tblPr>
               <a:tblGrid>
-                <a:gridCol w="2304256"/>
-                <a:gridCol w="3024336"/>
-                <a:gridCol w="3456383"/>
+                <a:gridCol w="2304256">
+                  <a:extLst>
+                    <a:ext uri="{9D8B030D-6E8A-4147-A177-3AD203B41FA5}">
+                      <a16:colId xmlns:a16="http://schemas.microsoft.com/office/drawing/2014/main" val="20000"/>
+                    </a:ext>
+                  </a:extLst>
+                </a:gridCol>
+                <a:gridCol w="3024336">
+                  <a:extLst>
+                    <a:ext uri="{9D8B030D-6E8A-4147-A177-3AD203B41FA5}">
+                      <a16:colId xmlns:a16="http://schemas.microsoft.com/office/drawing/2014/main" val="20001"/>
+                    </a:ext>
+                  </a:extLst>
+                </a:gridCol>
+                <a:gridCol w="3456383">
+                  <a:extLst>
+                    <a:ext uri="{9D8B030D-6E8A-4147-A177-3AD203B41FA5}">
+                      <a16:colId xmlns:a16="http://schemas.microsoft.com/office/drawing/2014/main" val="20002"/>
+                    </a:ext>
+                  </a:extLst>
+                </a:gridCol>
               </a:tblGrid>
               <a:tr h="633670">
                 <a:tc>
@@ -6508,10 +6420,9 @@
                     <a:lstStyle/>
                     <a:p>
                       <a:r>
-                        <a:rPr lang="de-DE" dirty="0" smtClean="0"/>
+                        <a:rPr lang="de-DE" dirty="0"/>
                         <a:t>Systeme</a:t>
                       </a:r>
-                      <a:endParaRPr lang="de-DE" dirty="0"/>
                     </a:p>
                   </a:txBody>
                   <a:tcPr/>
@@ -6522,10 +6433,9 @@
                     <a:lstStyle/>
                     <a:p>
                       <a:r>
-                        <a:rPr lang="de-DE" dirty="0" smtClean="0"/>
+                        <a:rPr lang="de-DE" dirty="0"/>
                         <a:t>Vorteile</a:t>
                       </a:r>
-                      <a:endParaRPr lang="de-DE" dirty="0"/>
                     </a:p>
                   </a:txBody>
                   <a:tcPr/>
@@ -6536,14 +6446,18 @@
                     <a:lstStyle/>
                     <a:p>
                       <a:r>
-                        <a:rPr lang="de-DE" dirty="0" smtClean="0"/>
+                        <a:rPr lang="de-DE" dirty="0"/>
                         <a:t>Nachteile</a:t>
                       </a:r>
-                      <a:endParaRPr lang="de-DE" dirty="0"/>
                     </a:p>
                   </a:txBody>
                   <a:tcPr/>
                 </a:tc>
+                <a:extLst>
+                  <a:ext uri="{0D108BD9-81ED-4DB2-BD59-A6C34878D82A}">
+                    <a16:rowId xmlns:a16="http://schemas.microsoft.com/office/drawing/2014/main" val="10000"/>
+                  </a:ext>
+                </a:extLst>
               </a:tr>
               <a:tr h="633670">
                 <a:tc>
@@ -6552,7 +6466,7 @@
                     <a:lstStyle/>
                     <a:p>
                       <a:r>
-                        <a:rPr lang="de-DE" dirty="0" smtClean="0"/>
+                        <a:rPr lang="de-DE" dirty="0"/>
                         <a:t>SAP HANA Express</a:t>
                       </a:r>
                     </a:p>
@@ -6579,6 +6493,11 @@
                   </a:txBody>
                   <a:tcPr/>
                 </a:tc>
+                <a:extLst>
+                  <a:ext uri="{0D108BD9-81ED-4DB2-BD59-A6C34878D82A}">
+                    <a16:rowId xmlns:a16="http://schemas.microsoft.com/office/drawing/2014/main" val="10001"/>
+                  </a:ext>
+                </a:extLst>
               </a:tr>
               <a:tr h="633670">
                 <a:tc>
@@ -6587,10 +6506,9 @@
                     <a:lstStyle/>
                     <a:p>
                       <a:r>
-                        <a:rPr lang="de-DE" dirty="0" smtClean="0"/>
+                        <a:rPr lang="de-DE" dirty="0"/>
                         <a:t>MSSQL</a:t>
                       </a:r>
-                      <a:endParaRPr lang="de-DE" dirty="0"/>
                     </a:p>
                   </a:txBody>
                   <a:tcPr/>
@@ -6615,6 +6533,11 @@
                   </a:txBody>
                   <a:tcPr/>
                 </a:tc>
+                <a:extLst>
+                  <a:ext uri="{0D108BD9-81ED-4DB2-BD59-A6C34878D82A}">
+                    <a16:rowId xmlns:a16="http://schemas.microsoft.com/office/drawing/2014/main" val="10002"/>
+                  </a:ext>
+                </a:extLst>
               </a:tr>
               <a:tr h="633670">
                 <a:tc>
@@ -6623,10 +6546,9 @@
                     <a:lstStyle/>
                     <a:p>
                       <a:r>
-                        <a:rPr lang="de-DE" dirty="0" smtClean="0"/>
+                        <a:rPr lang="de-DE" dirty="0"/>
                         <a:t>Cassandra</a:t>
                       </a:r>
-                      <a:endParaRPr lang="de-DE" dirty="0"/>
                     </a:p>
                   </a:txBody>
                   <a:tcPr/>
@@ -6651,6 +6573,11 @@
                   </a:txBody>
                   <a:tcPr/>
                 </a:tc>
+                <a:extLst>
+                  <a:ext uri="{0D108BD9-81ED-4DB2-BD59-A6C34878D82A}">
+                    <a16:rowId xmlns:a16="http://schemas.microsoft.com/office/drawing/2014/main" val="10003"/>
+                  </a:ext>
+                </a:extLst>
               </a:tr>
               <a:tr h="633670">
                 <a:tc>
@@ -6659,7 +6586,7 @@
                     <a:lstStyle/>
                     <a:p>
                       <a:r>
-                        <a:rPr lang="de-DE" dirty="0" err="1" smtClean="0"/>
+                        <a:rPr lang="de-DE" dirty="0" err="1"/>
                         <a:t>Memcache</a:t>
                       </a:r>
                       <a:endParaRPr lang="de-DE" dirty="0"/>
@@ -6687,6 +6614,11 @@
                   </a:txBody>
                   <a:tcPr/>
                 </a:tc>
+                <a:extLst>
+                  <a:ext uri="{0D108BD9-81ED-4DB2-BD59-A6C34878D82A}">
+                    <a16:rowId xmlns:a16="http://schemas.microsoft.com/office/drawing/2014/main" val="10004"/>
+                  </a:ext>
+                </a:extLst>
               </a:tr>
             </a:tbl>
           </a:graphicData>
@@ -6782,22 +6714,10 @@
               <a:buAutoNum type="arabicPeriod"/>
             </a:pPr>
             <a:r>
-              <a:rPr lang="de-DE" altLang="de-DE" sz="1400" dirty="0" smtClean="0">
-                <a:cs typeface="Consolas" panose="020B0609020204030204" pitchFamily="49" charset="0"/>
-              </a:rPr>
-              <a:t>https</a:t>
-            </a:r>
-            <a:r>
               <a:rPr lang="de-DE" altLang="de-DE" sz="1400" dirty="0">
                 <a:cs typeface="Consolas" panose="020B0609020204030204" pitchFamily="49" charset="0"/>
               </a:rPr>
-              <a:t>://</a:t>
-            </a:r>
-            <a:r>
-              <a:rPr lang="de-DE" altLang="de-DE" sz="1400" dirty="0" smtClean="0">
-                <a:cs typeface="Consolas" panose="020B0609020204030204" pitchFamily="49" charset="0"/>
-              </a:rPr>
-              <a:t>www.devart.com/dbforge/sql/data-generator/images/banner-dbforge-sql-data-generator.jpg</a:t>
+              <a:t>https://www.devart.com/dbforge/sql/data-generator/images/banner-dbforge-sql-data-generator.jpg</a:t>
             </a:r>
           </a:p>
           <a:p>
@@ -6806,43 +6726,43 @@
               <a:buAutoNum type="arabicPeriod"/>
             </a:pPr>
             <a:r>
-              <a:rPr lang="de-DE" altLang="de-DE" sz="1400" dirty="0" smtClean="0">
+              <a:rPr lang="de-DE" altLang="de-DE" sz="1400" dirty="0">
                 <a:cs typeface="Consolas" panose="020B0609020204030204" pitchFamily="49" charset="0"/>
               </a:rPr>
               <a:t>Buch: A Course in In-Memory Data Management – The </a:t>
             </a:r>
             <a:r>
-              <a:rPr lang="de-DE" altLang="de-DE" sz="1400" dirty="0" err="1" smtClean="0">
+              <a:rPr lang="de-DE" altLang="de-DE" sz="1400" dirty="0" err="1">
                 <a:cs typeface="Consolas" panose="020B0609020204030204" pitchFamily="49" charset="0"/>
               </a:rPr>
               <a:t>Inner</a:t>
             </a:r>
             <a:r>
-              <a:rPr lang="de-DE" altLang="de-DE" sz="1400" dirty="0" smtClean="0">
+              <a:rPr lang="de-DE" altLang="de-DE" sz="1400" dirty="0">
                 <a:cs typeface="Consolas" panose="020B0609020204030204" pitchFamily="49" charset="0"/>
               </a:rPr>
               <a:t> </a:t>
             </a:r>
             <a:r>
-              <a:rPr lang="de-DE" altLang="de-DE" sz="1400" dirty="0" err="1" smtClean="0">
+              <a:rPr lang="de-DE" altLang="de-DE" sz="1400" dirty="0" err="1">
                 <a:cs typeface="Consolas" panose="020B0609020204030204" pitchFamily="49" charset="0"/>
               </a:rPr>
               <a:t>Mechanics</a:t>
             </a:r>
             <a:r>
-              <a:rPr lang="de-DE" altLang="de-DE" sz="1400" dirty="0" smtClean="0">
+              <a:rPr lang="de-DE" altLang="de-DE" sz="1400" dirty="0">
                 <a:cs typeface="Consolas" panose="020B0609020204030204" pitchFamily="49" charset="0"/>
               </a:rPr>
               <a:t> </a:t>
             </a:r>
             <a:r>
-              <a:rPr lang="de-DE" altLang="de-DE" sz="1400" dirty="0" err="1" smtClean="0">
+              <a:rPr lang="de-DE" altLang="de-DE" sz="1400" dirty="0" err="1">
                 <a:cs typeface="Consolas" panose="020B0609020204030204" pitchFamily="49" charset="0"/>
               </a:rPr>
               <a:t>of</a:t>
             </a:r>
             <a:r>
-              <a:rPr lang="de-DE" altLang="de-DE" sz="1400" dirty="0" smtClean="0">
+              <a:rPr lang="de-DE" altLang="de-DE" sz="1400" dirty="0">
                 <a:cs typeface="Consolas" panose="020B0609020204030204" pitchFamily="49" charset="0"/>
               </a:rPr>
               <a:t> In-Memory Databases. Autor: Hasso Plattner. Verlag: Springer-Verlag. Ausgabe: Berlin 2013</a:t>
@@ -6855,11 +6775,7 @@
             </a:pPr>
             <a:r>
               <a:rPr lang="de-DE" sz="1400" dirty="0"/>
-              <a:t>https://</a:t>
-            </a:r>
-            <a:r>
-              <a:rPr lang="de-DE" sz="1400" dirty="0" smtClean="0"/>
-              <a:t>de.wikipedia.org/wiki/Spaltenorientierte_Datenbank</a:t>
+              <a:t>https://de.wikipedia.org/wiki/Spaltenorientierte_Datenbank</a:t>
             </a:r>
           </a:p>
           <a:p>
@@ -6867,7 +6783,7 @@
               <a:buFont typeface="+mj-lt"/>
               <a:buAutoNum type="arabicPeriod"/>
             </a:pPr>
-            <a:endParaRPr lang="de-DE" altLang="de-DE" sz="1400" dirty="0" smtClean="0"/>
+            <a:endParaRPr lang="de-DE" altLang="de-DE" sz="1400" dirty="0"/>
           </a:p>
           <a:p>
             <a:pPr marL="457200" indent="-457200">
@@ -6979,7 +6895,7 @@
           <a:lstStyle/>
           <a:p>
             <a:r>
-              <a:rPr lang="de-DE" dirty="0" err="1" smtClean="0"/>
+              <a:rPr lang="de-DE" dirty="0" err="1"/>
               <a:t>Allgeméìn</a:t>
             </a:r>
             <a:endParaRPr lang="de-DE" dirty="0"/>
@@ -6996,13 +6912,6 @@
   <p:clrMapOvr>
     <a:masterClrMapping/>
   </p:clrMapOvr>
-  <p:timing>
-    <p:tnLst>
-      <p:par>
-        <p:cTn id="1" dur="indefinite" restart="never" nodeType="tmRoot"/>
-      </p:par>
-    </p:tnLst>
-  </p:timing>
 </p:sld>
 </file>
 
@@ -7224,27 +7133,8 @@
                   </a:schemeClr>
                 </a:solidFill>
               </a:rPr>
-              <a:t>Quellen</a:t>
-            </a:r>
-            <a:r>
-              <a:rPr lang="de-DE" sz="800" dirty="0" smtClean="0">
-                <a:solidFill>
-                  <a:schemeClr val="tx1">
-                    <a:lumMod val="50000"/>
-                    <a:lumOff val="50000"/>
-                  </a:schemeClr>
-                </a:solidFill>
-              </a:rPr>
-              <a:t>: 7</a:t>
-            </a:r>
-            <a:endParaRPr lang="de-DE" sz="800" dirty="0">
-              <a:solidFill>
-                <a:schemeClr val="tx1">
-                  <a:lumMod val="50000"/>
-                  <a:lumOff val="50000"/>
-                </a:schemeClr>
-              </a:solidFill>
-            </a:endParaRPr>
+              <a:t>Quellen: 7</a:t>
+            </a:r>
           </a:p>
           <a:p>
             <a:r>
@@ -7271,13 +7161,6 @@
   <p:clrMapOvr>
     <a:masterClrMapping/>
   </p:clrMapOvr>
-  <p:timing>
-    <p:tnLst>
-      <p:par>
-        <p:cTn id="1" dur="indefinite" restart="never" nodeType="tmRoot"/>
-      </p:par>
-    </p:tnLst>
-  </p:timing>
 </p:sld>
 </file>
 
@@ -7395,27 +7278,8 @@
                   </a:schemeClr>
                 </a:solidFill>
               </a:rPr>
-              <a:t>Quellen</a:t>
-            </a:r>
-            <a:r>
-              <a:rPr lang="de-DE" sz="800" dirty="0" smtClean="0">
-                <a:solidFill>
-                  <a:schemeClr val="tx1">
-                    <a:lumMod val="50000"/>
-                    <a:lumOff val="50000"/>
-                  </a:schemeClr>
-                </a:solidFill>
-              </a:rPr>
-              <a:t>: 1</a:t>
-            </a:r>
-            <a:endParaRPr lang="de-DE" sz="800" dirty="0">
-              <a:solidFill>
-                <a:schemeClr val="tx1">
-                  <a:lumMod val="50000"/>
-                  <a:lumOff val="50000"/>
-                </a:schemeClr>
-              </a:solidFill>
-            </a:endParaRPr>
+              <a:t>Quellen: 1</a:t>
+            </a:r>
           </a:p>
         </p:txBody>
       </p:sp>
@@ -7429,13 +7293,6 @@
   <p:clrMapOvr>
     <a:masterClrMapping/>
   </p:clrMapOvr>
-  <p:timing>
-    <p:tnLst>
-      <p:par>
-        <p:cTn id="1" dur="indefinite" restart="never" nodeType="tmRoot"/>
-      </p:par>
-    </p:tnLst>
-  </p:timing>
 </p:sld>
 </file>
 
@@ -7458,18 +7315,6 @@
       </p:grpSpPr>
       <p:sp>
         <p:nvSpPr>
-          <p:cNvPr id="2" name="Diagrammplatzhalter 1"/>
-          <p:cNvSpPr>
-            <a:spLocks noGrp="1"/>
-          </p:cNvSpPr>
-          <p:nvPr>
-            <p:ph type="chart" idx="1"/>
-          </p:nvPr>
-        </p:nvSpPr>
-        <p:spPr/>
-      </p:sp>
-      <p:sp>
-        <p:nvSpPr>
           <p:cNvPr id="3" name="Titel 2"/>
           <p:cNvSpPr>
             <a:spLocks noGrp="1"/>
@@ -7484,8 +7329,81 @@
           <a:lstStyle/>
           <a:p>
             <a:r>
-              <a:rPr lang="de-DE" dirty="0" smtClean="0"/>
+              <a:rPr lang="de-DE" dirty="0"/>
               <a:t>MSSQL</a:t>
+            </a:r>
+          </a:p>
+        </p:txBody>
+      </p:sp>
+      <p:sp>
+        <p:nvSpPr>
+          <p:cNvPr id="4" name="Textfeld 3">
+            <a:extLst>
+              <a:ext uri="{FF2B5EF4-FFF2-40B4-BE49-F238E27FC236}">
+                <a16:creationId xmlns:a16="http://schemas.microsoft.com/office/drawing/2014/main" id="{55A35DED-7D1A-4C8F-934D-D5CD3FC3279C}"/>
+              </a:ext>
+            </a:extLst>
+          </p:cNvPr>
+          <p:cNvSpPr txBox="1"/>
+          <p:nvPr/>
+        </p:nvSpPr>
+        <p:spPr>
+          <a:xfrm>
+            <a:off x="251520" y="1052736"/>
+            <a:ext cx="8892480" cy="2246769"/>
+          </a:xfrm>
+          <a:prstGeom prst="rect">
+            <a:avLst/>
+          </a:prstGeom>
+          <a:noFill/>
+        </p:spPr>
+        <p:txBody>
+          <a:bodyPr wrap="square" rtlCol="0">
+            <a:spAutoFit/>
+          </a:bodyPr>
+          <a:lstStyle/>
+          <a:p>
+            <a:pPr marL="457200" indent="-457200">
+              <a:buFontTx/>
+              <a:buChar char="-"/>
+            </a:pPr>
+            <a:r>
+              <a:rPr lang="de-DE" dirty="0"/>
+              <a:t>Speicheroptimierte Tabellen (Speicherung als Objekte in C) </a:t>
+            </a:r>
+          </a:p>
+          <a:p>
+            <a:pPr marL="457200" indent="-457200">
+              <a:buFontTx/>
+              <a:buChar char="-"/>
+            </a:pPr>
+            <a:r>
+              <a:rPr lang="de-DE" dirty="0"/>
+              <a:t>Verschieden beständige Tabellen </a:t>
+            </a:r>
+          </a:p>
+          <a:p>
+            <a:pPr marL="457200" indent="-457200">
+              <a:buFontTx/>
+              <a:buChar char="-"/>
+            </a:pPr>
+            <a:r>
+              <a:rPr lang="de-DE" dirty="0"/>
+              <a:t>Multiversionsverwaltung </a:t>
+            </a:r>
+          </a:p>
+          <a:p>
+            <a:pPr marL="457200" indent="-457200">
+              <a:buFontTx/>
+              <a:buChar char="-"/>
+            </a:pPr>
+            <a:r>
+              <a:rPr lang="de-DE" dirty="0"/>
+              <a:t>Erhebliche Leistungs-</a:t>
+            </a:r>
+            <a:r>
+              <a:rPr lang="de-DE"/>
+              <a:t>, Skalierbarkeitsgewinne</a:t>
             </a:r>
             <a:endParaRPr lang="de-DE" dirty="0"/>
           </a:p>

--- a/SAPHana-1.pptx
+++ b/SAPHana-1.pptx
@@ -195,10 +195,25 @@
   <pc:docChgLst>
     <pc:chgData name="Robert Pietzschmann" userId="c7f59647ab801a01" providerId="LiveId" clId="{F2748B10-2D07-4F72-99D3-060683268240}"/>
     <pc:docChg chg="custSel modSld">
-      <pc:chgData name="Robert Pietzschmann" userId="c7f59647ab801a01" providerId="LiveId" clId="{F2748B10-2D07-4F72-99D3-060683268240}" dt="2018-01-15T15:56:35.121" v="263" actId="20577"/>
+      <pc:chgData name="Robert Pietzschmann" userId="c7f59647ab801a01" providerId="LiveId" clId="{F2748B10-2D07-4F72-99D3-060683268240}" dt="2018-01-15T16:03:24.186" v="286" actId="20577"/>
       <pc:docMkLst>
         <pc:docMk/>
       </pc:docMkLst>
+      <pc:sldChg chg="modSp">
+        <pc:chgData name="Robert Pietzschmann" userId="c7f59647ab801a01" providerId="LiveId" clId="{F2748B10-2D07-4F72-99D3-060683268240}" dt="2018-01-15T16:03:24.186" v="286" actId="20577"/>
+        <pc:sldMkLst>
+          <pc:docMk/>
+          <pc:sldMk cId="4270548889" sldId="279"/>
+        </pc:sldMkLst>
+        <pc:spChg chg="mod">
+          <ac:chgData name="Robert Pietzschmann" userId="c7f59647ab801a01" providerId="LiveId" clId="{F2748B10-2D07-4F72-99D3-060683268240}" dt="2018-01-15T16:03:24.186" v="286" actId="20577"/>
+          <ac:spMkLst>
+            <pc:docMk/>
+            <pc:sldMk cId="4270548889" sldId="279"/>
+            <ac:spMk id="2" creationId="{00000000-0000-0000-0000-000000000000}"/>
+          </ac:spMkLst>
+        </pc:spChg>
+      </pc:sldChg>
       <pc:sldChg chg="addSp delSp modSp">
         <pc:chgData name="Robert Pietzschmann" userId="c7f59647ab801a01" providerId="LiveId" clId="{F2748B10-2D07-4F72-99D3-060683268240}" dt="2018-01-15T15:56:35.121" v="263" actId="20577"/>
         <pc:sldMkLst>
@@ -6783,6 +6798,16 @@
               <a:buFont typeface="+mj-lt"/>
               <a:buAutoNum type="arabicPeriod"/>
             </a:pPr>
+            <a:r>
+              <a:rPr lang="de-DE" altLang="de-DE" sz="1400">
+                <a:hlinkClick r:id="rId2"/>
+              </a:rPr>
+              <a:t>https://msdn.microsoft.com/de-de/library/dn133186(v=sql.120).aspx</a:t>
+            </a:r>
+            <a:r>
+              <a:rPr lang="de-DE" altLang="de-DE" sz="1400"/>
+              <a:t> 15.01.2018, 17.03 Uhr</a:t>
+            </a:r>
             <a:endParaRPr lang="de-DE" altLang="de-DE" sz="1400" dirty="0"/>
           </a:p>
           <a:p>
